--- a/Spring boot/aula 2.pptx
+++ b/Spring boot/aula 2.pptx
@@ -22,9 +22,10 @@
     <p:sldId id="271" r:id="rId16"/>
     <p:sldId id="273" r:id="rId17"/>
     <p:sldId id="274" r:id="rId18"/>
-    <p:sldId id="275" r:id="rId19"/>
-    <p:sldId id="276" r:id="rId20"/>
-    <p:sldId id="277" r:id="rId21"/>
+    <p:sldId id="278" r:id="rId19"/>
+    <p:sldId id="275" r:id="rId20"/>
+    <p:sldId id="276" r:id="rId21"/>
+    <p:sldId id="277" r:id="rId22"/>
   </p:sldIdLst>
   <p:sldSz cx="12192000" cy="6858000"/>
   <p:notesSz cx="6858000" cy="9144000"/>
@@ -5579,157 +5580,59 @@
         <p:spPr>
           <a:xfrm>
             <a:off x="838200" y="1690688"/>
-            <a:ext cx="10515600" cy="5167312"/>
+            <a:ext cx="10515600" cy="4609528"/>
           </a:xfrm>
         </p:spPr>
         <p:txBody>
           <a:bodyPr>
-            <a:normAutofit fontScale="25000" lnSpcReduction="20000"/>
+            <a:normAutofit/>
           </a:bodyPr>
           <a:lstStyle/>
           <a:p>
             <a:pPr algn="ctr"/>
             <a:r>
-              <a:rPr lang="pt-BR" sz="12800" dirty="0"/>
-              <a:t>Utilizando o nossa interface de repositório no controller</a:t>
-            </a:r>
-          </a:p>
-          <a:p>
-            <a:r>
-              <a:rPr lang="pt-BR" dirty="0">
-                <a:solidFill>
-                  <a:schemeClr val="tx1"/>
-                </a:solidFill>
-              </a:rPr>
-              <a:t>	</a:t>
-            </a:r>
-          </a:p>
-          <a:p>
-            <a:pPr algn="ctr"/>
-            <a:r>
-              <a:rPr lang="pt-BR" sz="9600" dirty="0">
+              <a:rPr lang="pt-BR" sz="3200" dirty="0"/>
+              <a:t>Conteúdo da minha interface </a:t>
+            </a:r>
+            <a:r>
+              <a:rPr lang="pt-BR" sz="3200" dirty="0">
                 <a:solidFill>
                   <a:schemeClr val="accent5">
                     <a:lumMod val="50000"/>
                   </a:schemeClr>
                 </a:solidFill>
               </a:rPr>
-              <a:t>Trabalhando com o Autowired</a:t>
-            </a:r>
-          </a:p>
-          <a:p>
-            <a:endParaRPr lang="pt-BR" sz="8000" dirty="0">
+              <a:t>UsuariosRepository</a:t>
+            </a:r>
+          </a:p>
+          <a:p>
+            <a:r>
+              <a:rPr lang="pt-BR" sz="700" dirty="0">
+                <a:solidFill>
+                  <a:schemeClr val="tx1"/>
+                </a:solidFill>
+              </a:rPr>
+              <a:t>	</a:t>
+            </a:r>
+          </a:p>
+          <a:p>
+            <a:endParaRPr lang="pt-BR" sz="700" dirty="0">
               <a:solidFill>
                 <a:schemeClr val="tx1"/>
               </a:solidFill>
             </a:endParaRPr>
           </a:p>
           <a:p>
-            <a:endParaRPr lang="pt-BR" sz="8000" dirty="0">
-              <a:solidFill>
-                <a:schemeClr val="tx1"/>
-              </a:solidFill>
-            </a:endParaRPr>
-          </a:p>
-          <a:p>
-            <a:endParaRPr lang="pt-BR" sz="8000" dirty="0">
-              <a:solidFill>
-                <a:schemeClr val="tx1"/>
-              </a:solidFill>
-            </a:endParaRPr>
-          </a:p>
-          <a:p>
-            <a:r>
-              <a:rPr lang="pt-BR" sz="8000" b="1" i="1" dirty="0">
-                <a:solidFill>
-                  <a:srgbClr val="FF0000"/>
-                </a:solidFill>
-              </a:rPr>
-              <a:t>Obs.: usuariosRepository é o nome da variável -&gt; letra minúscula.</a:t>
-            </a:r>
-          </a:p>
-          <a:p>
-            <a:r>
-              <a:rPr lang="pt-BR" sz="8000" b="1" i="1" dirty="0">
-                <a:solidFill>
-                  <a:schemeClr val="accent5">
-                    <a:lumMod val="50000"/>
-                  </a:schemeClr>
-                </a:solidFill>
-              </a:rPr>
-              <a:t>Obs.: Se você apertar a tecla control  e colocar na interface UsuariosRepository ele abre o arquivo de declaração.</a:t>
-            </a:r>
-          </a:p>
-          <a:p>
-            <a:pPr algn="just"/>
-            <a:r>
-              <a:rPr lang="pt-BR" sz="8000" dirty="0">
+            <a:r>
+              <a:rPr lang="pt-BR" sz="700" dirty="0">
                 <a:solidFill>
                   <a:schemeClr val="tx1"/>
                 </a:solidFill>
               </a:rPr>
-              <a:t>	O @Autowired é uma anotação do Spring Framework que permite a injeção de dependências (</a:t>
-            </a:r>
-            <a:r>
-              <a:rPr lang="pt-BR" sz="8000" b="1" i="1" dirty="0">
-                <a:solidFill>
-                  <a:srgbClr val="FF0000"/>
-                </a:solidFill>
-              </a:rPr>
-              <a:t>permite que um objeto dependa de outros objetos, com as dependências sendo fornecidas por um terceiro</a:t>
-            </a:r>
-            <a:r>
-              <a:rPr lang="pt-BR" sz="8000" dirty="0">
-                <a:solidFill>
-                  <a:schemeClr val="tx1"/>
-                </a:solidFill>
-              </a:rPr>
-              <a:t>) automática em classes Java. Ela instrui o Spring a injetar automaticamente dependências em campos, métodos e construtores, eliminando a necessidade de configuração manual. A anotação @Autowired pode ser usada em combinação com @Qualifier para especificar quais dependências específicas devem ser injetadas quando há ambiguidade. O uso de @Autowired ajuda a simplificar a configuração e reduzir a necessidade de código boilerplate em aplicações Spring.</a:t>
-            </a:r>
-          </a:p>
-          <a:p>
-            <a:pPr algn="just"/>
-            <a:r>
-              <a:rPr lang="pt-BR" sz="8000" b="1" i="1" dirty="0">
-                <a:solidFill>
-                  <a:srgbClr val="FF0000"/>
-                </a:solidFill>
-              </a:rPr>
-              <a:t>Obs.: Lembrando que quando utilizamos a anotação ele faz também o </a:t>
-            </a:r>
-            <a:r>
-              <a:rPr lang="pt-BR" sz="8000" b="1" i="1" dirty="0" err="1">
-                <a:solidFill>
-                  <a:srgbClr val="FF0000"/>
-                </a:solidFill>
-              </a:rPr>
-              <a:t>import</a:t>
-            </a:r>
-            <a:r>
-              <a:rPr lang="pt-BR" sz="8000" b="1" i="1" dirty="0">
-                <a:solidFill>
-                  <a:srgbClr val="FF0000"/>
-                </a:solidFill>
-              </a:rPr>
-              <a:t> do pacote.</a:t>
-            </a:r>
-            <a:endParaRPr lang="pt-BR" b="1" i="1" dirty="0">
-              <a:solidFill>
-                <a:srgbClr val="FF0000"/>
-              </a:solidFill>
-            </a:endParaRPr>
-          </a:p>
-          <a:p>
-            <a:r>
-              <a:rPr lang="pt-BR" dirty="0">
-                <a:solidFill>
-                  <a:schemeClr val="tx1"/>
-                </a:solidFill>
-              </a:rPr>
               <a:t>	</a:t>
             </a:r>
             <a:r>
-              <a:rPr lang="pt-BR" dirty="0"/>
+              <a:rPr lang="pt-BR" sz="700" dirty="0"/>
               <a:t>	</a:t>
             </a:r>
           </a:p>
@@ -5737,10 +5640,10 @@
       </p:sp>
       <p:pic>
         <p:nvPicPr>
-          <p:cNvPr id="8" name="Imagem 7">
-            <a:extLst>
-              <a:ext uri="{FF2B5EF4-FFF2-40B4-BE49-F238E27FC236}">
-                <a16:creationId xmlns:a16="http://schemas.microsoft.com/office/drawing/2014/main" id="{4566D4BE-4160-674C-A86E-2A037CA09D36}"/>
+          <p:cNvPr id="5" name="Imagem 4">
+            <a:extLst>
+              <a:ext uri="{FF2B5EF4-FFF2-40B4-BE49-F238E27FC236}">
+                <a16:creationId xmlns:a16="http://schemas.microsoft.com/office/drawing/2014/main" id="{9E625CF2-3E6E-D224-0E8C-171C6597FB6E}"/>
               </a:ext>
             </a:extLst>
           </p:cNvPr>
@@ -5757,8 +5660,262 @@
         </p:blipFill>
         <p:spPr>
           <a:xfrm>
-            <a:off x="838200" y="3209530"/>
-            <a:ext cx="7278116" cy="523948"/>
+            <a:off x="1009006" y="3152258"/>
+            <a:ext cx="9221487" cy="3705742"/>
+          </a:xfrm>
+          <a:prstGeom prst="rect">
+            <a:avLst/>
+          </a:prstGeom>
+        </p:spPr>
+      </p:pic>
+    </p:spTree>
+    <p:extLst>
+      <p:ext uri="{BB962C8B-B14F-4D97-AF65-F5344CB8AC3E}">
+        <p14:creationId xmlns:p14="http://schemas.microsoft.com/office/powerpoint/2010/main" val="2681609773"/>
+      </p:ext>
+    </p:extLst>
+  </p:cSld>
+  <p:clrMapOvr>
+    <a:masterClrMapping/>
+  </p:clrMapOvr>
+</p:sld>
+</file>
+
+<file path=ppt/slides/slide19.xml><?xml version="1.0" encoding="utf-8"?>
+<p:sld xmlns:a="http://schemas.openxmlformats.org/drawingml/2006/main" xmlns:r="http://schemas.openxmlformats.org/officeDocument/2006/relationships" xmlns:p="http://schemas.openxmlformats.org/presentationml/2006/main">
+  <p:cSld>
+    <p:spTree>
+      <p:nvGrpSpPr>
+        <p:cNvPr id="1" name=""/>
+        <p:cNvGrpSpPr/>
+        <p:nvPr/>
+      </p:nvGrpSpPr>
+      <p:grpSpPr>
+        <a:xfrm>
+          <a:off x="0" y="0"/>
+          <a:ext cx="0" cy="0"/>
+          <a:chOff x="0" y="0"/>
+          <a:chExt cx="0" cy="0"/>
+        </a:xfrm>
+      </p:grpSpPr>
+      <p:sp>
+        <p:nvSpPr>
+          <p:cNvPr id="2" name="Título 1">
+            <a:extLst>
+              <a:ext uri="{FF2B5EF4-FFF2-40B4-BE49-F238E27FC236}">
+                <a16:creationId xmlns:a16="http://schemas.microsoft.com/office/drawing/2014/main" id="{4804A66A-7106-4FAF-0C13-862C47E9F83D}"/>
+              </a:ext>
+            </a:extLst>
+          </p:cNvPr>
+          <p:cNvSpPr>
+            <a:spLocks noGrp="1"/>
+          </p:cNvSpPr>
+          <p:nvPr>
+            <p:ph type="title"/>
+          </p:nvPr>
+        </p:nvSpPr>
+        <p:spPr/>
+        <p:txBody>
+          <a:bodyPr/>
+          <a:lstStyle/>
+          <a:p>
+            <a:r>
+              <a:rPr lang="pt-BR" dirty="0"/>
+              <a:t>Spring Boot Aula 2</a:t>
+            </a:r>
+          </a:p>
+        </p:txBody>
+      </p:sp>
+      <p:sp>
+        <p:nvSpPr>
+          <p:cNvPr id="3" name="Espaço Reservado para Conteúdo 2">
+            <a:extLst>
+              <a:ext uri="{FF2B5EF4-FFF2-40B4-BE49-F238E27FC236}">
+                <a16:creationId xmlns:a16="http://schemas.microsoft.com/office/drawing/2014/main" id="{A89A9D72-756A-9C3C-EBE8-FBB4E1578C8E}"/>
+              </a:ext>
+            </a:extLst>
+          </p:cNvPr>
+          <p:cNvSpPr>
+            <a:spLocks noGrp="1"/>
+          </p:cNvSpPr>
+          <p:nvPr>
+            <p:ph idx="1"/>
+          </p:nvPr>
+        </p:nvSpPr>
+        <p:spPr>
+          <a:xfrm>
+            <a:off x="838200" y="1690688"/>
+            <a:ext cx="10515600" cy="5167312"/>
+          </a:xfrm>
+        </p:spPr>
+        <p:txBody>
+          <a:bodyPr>
+            <a:normAutofit fontScale="25000" lnSpcReduction="20000"/>
+          </a:bodyPr>
+          <a:lstStyle/>
+          <a:p>
+            <a:pPr algn="ctr"/>
+            <a:r>
+              <a:rPr lang="pt-BR" sz="12800" dirty="0"/>
+              <a:t>Utilizando o nossa interface de repositório no controller</a:t>
+            </a:r>
+          </a:p>
+          <a:p>
+            <a:r>
+              <a:rPr lang="pt-BR" dirty="0">
+                <a:solidFill>
+                  <a:schemeClr val="tx1"/>
+                </a:solidFill>
+              </a:rPr>
+              <a:t>	</a:t>
+            </a:r>
+          </a:p>
+          <a:p>
+            <a:pPr algn="ctr"/>
+            <a:r>
+              <a:rPr lang="pt-BR" sz="9600" dirty="0">
+                <a:solidFill>
+                  <a:schemeClr val="accent5">
+                    <a:lumMod val="50000"/>
+                  </a:schemeClr>
+                </a:solidFill>
+              </a:rPr>
+              <a:t>Trabalhando com o Autowired</a:t>
+            </a:r>
+          </a:p>
+          <a:p>
+            <a:endParaRPr lang="pt-BR" sz="8000" dirty="0">
+              <a:solidFill>
+                <a:schemeClr val="tx1"/>
+              </a:solidFill>
+            </a:endParaRPr>
+          </a:p>
+          <a:p>
+            <a:endParaRPr lang="pt-BR" sz="8000" dirty="0">
+              <a:solidFill>
+                <a:schemeClr val="tx1"/>
+              </a:solidFill>
+            </a:endParaRPr>
+          </a:p>
+          <a:p>
+            <a:endParaRPr lang="pt-BR" sz="8000" dirty="0">
+              <a:solidFill>
+                <a:schemeClr val="tx1"/>
+              </a:solidFill>
+            </a:endParaRPr>
+          </a:p>
+          <a:p>
+            <a:endParaRPr lang="pt-BR" sz="8000" dirty="0">
+              <a:solidFill>
+                <a:schemeClr val="tx1"/>
+              </a:solidFill>
+            </a:endParaRPr>
+          </a:p>
+          <a:p>
+            <a:r>
+              <a:rPr lang="pt-BR" sz="7200" b="1" i="1" dirty="0">
+                <a:solidFill>
+                  <a:srgbClr val="FF0000"/>
+                </a:solidFill>
+              </a:rPr>
+              <a:t>Obs.: usuariosRepository é o nome da variável -&gt; letra minúscula.</a:t>
+            </a:r>
+          </a:p>
+          <a:p>
+            <a:r>
+              <a:rPr lang="pt-BR" sz="7200" b="1" i="1" dirty="0">
+                <a:solidFill>
+                  <a:schemeClr val="accent5">
+                    <a:lumMod val="50000"/>
+                  </a:schemeClr>
+                </a:solidFill>
+              </a:rPr>
+              <a:t>Obs.: Se você apertar a tecla control  e colocar na interface UsuariosRepository ele abre o arquivo de declaração.</a:t>
+            </a:r>
+          </a:p>
+          <a:p>
+            <a:pPr algn="just"/>
+            <a:r>
+              <a:rPr lang="pt-BR" sz="7200" dirty="0">
+                <a:solidFill>
+                  <a:schemeClr val="tx1"/>
+                </a:solidFill>
+              </a:rPr>
+              <a:t>	O @Autowired é uma anotação do Spring Framework que permite a injeção de dependências (</a:t>
+            </a:r>
+            <a:r>
+              <a:rPr lang="pt-BR" sz="7200" b="1" i="1" dirty="0">
+                <a:solidFill>
+                  <a:srgbClr val="FF0000"/>
+                </a:solidFill>
+              </a:rPr>
+              <a:t>permite que um objeto dependa de outros objetos, com as dependências sendo fornecidas por um terceiro</a:t>
+            </a:r>
+            <a:r>
+              <a:rPr lang="pt-BR" sz="7200" dirty="0">
+                <a:solidFill>
+                  <a:schemeClr val="tx1"/>
+                </a:solidFill>
+              </a:rPr>
+              <a:t>) automática em classes Java. Ela instrui o Spring a injetar automaticamente dependências em campos, métodos e construtores, eliminando a necessidade de configuração manual. A anotação @Autowired pode ser usada em combinação com @Qualifier para especificar quais dependências específicas devem ser injetadas quando há ambiguidade. O uso de @Autowired ajuda a simplificar a configuração e reduzir a necessidade de código boilerplate em aplicações Spring.</a:t>
+            </a:r>
+          </a:p>
+          <a:p>
+            <a:pPr algn="just"/>
+            <a:r>
+              <a:rPr lang="pt-BR" sz="7200" b="1" i="1" dirty="0">
+                <a:solidFill>
+                  <a:srgbClr val="FF0000"/>
+                </a:solidFill>
+              </a:rPr>
+              <a:t>Obs.: Lembrando que quando utilizamos a anotação ele faz também o import do pacote.</a:t>
+            </a:r>
+            <a:endParaRPr lang="pt-BR" sz="2400" b="1" i="1" dirty="0">
+              <a:solidFill>
+                <a:srgbClr val="FF0000"/>
+              </a:solidFill>
+            </a:endParaRPr>
+          </a:p>
+          <a:p>
+            <a:r>
+              <a:rPr lang="pt-BR" dirty="0">
+                <a:solidFill>
+                  <a:schemeClr val="tx1"/>
+                </a:solidFill>
+              </a:rPr>
+              <a:t>	</a:t>
+            </a:r>
+            <a:r>
+              <a:rPr lang="pt-BR" dirty="0"/>
+              <a:t>	</a:t>
+            </a:r>
+          </a:p>
+        </p:txBody>
+      </p:sp>
+      <p:pic>
+        <p:nvPicPr>
+          <p:cNvPr id="5" name="Imagem 4">
+            <a:extLst>
+              <a:ext uri="{FF2B5EF4-FFF2-40B4-BE49-F238E27FC236}">
+                <a16:creationId xmlns:a16="http://schemas.microsoft.com/office/drawing/2014/main" id="{F61E0BF8-A076-EFB0-3519-8637CD7368CA}"/>
+              </a:ext>
+            </a:extLst>
+          </p:cNvPr>
+          <p:cNvPicPr>
+            <a:picLocks noChangeAspect="1"/>
+          </p:cNvPicPr>
+          <p:nvPr/>
+        </p:nvPicPr>
+        <p:blipFill>
+          <a:blip r:embed="rId2"/>
+          <a:stretch>
+            <a:fillRect/>
+          </a:stretch>
+        </p:blipFill>
+        <p:spPr>
+          <a:xfrm>
+            <a:off x="838200" y="2631052"/>
+            <a:ext cx="7421011" cy="1095528"/>
           </a:xfrm>
           <a:prstGeom prst="rect">
             <a:avLst/>
@@ -5778,7 +5935,188 @@
 </p:sld>
 </file>
 
-<file path=ppt/slides/slide19.xml><?xml version="1.0" encoding="utf-8"?>
+<file path=ppt/slides/slide2.xml><?xml version="1.0" encoding="utf-8"?>
+<p:sld xmlns:a="http://schemas.openxmlformats.org/drawingml/2006/main" xmlns:r="http://schemas.openxmlformats.org/officeDocument/2006/relationships" xmlns:p="http://schemas.openxmlformats.org/presentationml/2006/main">
+  <p:cSld>
+    <p:spTree>
+      <p:nvGrpSpPr>
+        <p:cNvPr id="1" name=""/>
+        <p:cNvGrpSpPr/>
+        <p:nvPr/>
+      </p:nvGrpSpPr>
+      <p:grpSpPr>
+        <a:xfrm>
+          <a:off x="0" y="0"/>
+          <a:ext cx="0" cy="0"/>
+          <a:chOff x="0" y="0"/>
+          <a:chExt cx="0" cy="0"/>
+        </a:xfrm>
+      </p:grpSpPr>
+      <p:sp>
+        <p:nvSpPr>
+          <p:cNvPr id="2" name="Título 1">
+            <a:extLst>
+              <a:ext uri="{FF2B5EF4-FFF2-40B4-BE49-F238E27FC236}">
+                <a16:creationId xmlns:a16="http://schemas.microsoft.com/office/drawing/2014/main" id="{3333EAEC-850A-0718-7AFC-9EB86A57DC4D}"/>
+              </a:ext>
+            </a:extLst>
+          </p:cNvPr>
+          <p:cNvSpPr>
+            <a:spLocks noGrp="1"/>
+          </p:cNvSpPr>
+          <p:nvPr>
+            <p:ph type="title"/>
+          </p:nvPr>
+        </p:nvSpPr>
+        <p:spPr/>
+        <p:txBody>
+          <a:bodyPr/>
+          <a:lstStyle/>
+          <a:p>
+            <a:r>
+              <a:rPr lang="pt-BR" dirty="0"/>
+              <a:t>Spring Boot Aula 2</a:t>
+            </a:r>
+          </a:p>
+        </p:txBody>
+      </p:sp>
+      <p:sp>
+        <p:nvSpPr>
+          <p:cNvPr id="3" name="Espaço Reservado para Conteúdo 2">
+            <a:extLst>
+              <a:ext uri="{FF2B5EF4-FFF2-40B4-BE49-F238E27FC236}">
+                <a16:creationId xmlns:a16="http://schemas.microsoft.com/office/drawing/2014/main" id="{7A8B7E78-85AE-C157-DF57-2C64D331B728}"/>
+              </a:ext>
+            </a:extLst>
+          </p:cNvPr>
+          <p:cNvSpPr>
+            <a:spLocks noGrp="1"/>
+          </p:cNvSpPr>
+          <p:nvPr>
+            <p:ph idx="1"/>
+          </p:nvPr>
+        </p:nvSpPr>
+        <p:spPr/>
+        <p:txBody>
+          <a:bodyPr/>
+          <a:lstStyle/>
+          <a:p>
+            <a:pPr algn="ctr"/>
+            <a:r>
+              <a:rPr lang="pt-BR" dirty="0"/>
+              <a:t>Criando o nosso projeto</a:t>
+            </a:r>
+          </a:p>
+          <a:p>
+            <a:endParaRPr lang="pt-BR" dirty="0"/>
+          </a:p>
+          <a:p>
+            <a:endParaRPr lang="pt-BR" dirty="0"/>
+          </a:p>
+          <a:p>
+            <a:r>
+              <a:rPr lang="pt-BR" dirty="0">
+                <a:solidFill>
+                  <a:schemeClr val="accent5">
+                    <a:lumMod val="50000"/>
+                  </a:schemeClr>
+                </a:solidFill>
+              </a:rPr>
+              <a:t>Criar um projeto com o GroupId </a:t>
+            </a:r>
+            <a:r>
+              <a:rPr lang="pt-BR" dirty="0">
+                <a:solidFill>
+                  <a:srgbClr val="FF0000"/>
+                </a:solidFill>
+              </a:rPr>
+              <a:t>spring.</a:t>
+            </a:r>
+          </a:p>
+          <a:p>
+            <a:r>
+              <a:rPr lang="pt-BR" dirty="0">
+                <a:solidFill>
+                  <a:schemeClr val="accent5">
+                    <a:lumMod val="50000"/>
+                  </a:schemeClr>
+                </a:solidFill>
+              </a:rPr>
+              <a:t>ArtifactId de </a:t>
+            </a:r>
+            <a:r>
+              <a:rPr lang="pt-BR" dirty="0">
+                <a:solidFill>
+                  <a:srgbClr val="FF0000"/>
+                </a:solidFill>
+              </a:rPr>
+              <a:t>aulaDois</a:t>
+            </a:r>
+            <a:r>
+              <a:rPr lang="pt-BR" dirty="0">
+                <a:solidFill>
+                  <a:schemeClr val="accent5">
+                    <a:lumMod val="50000"/>
+                  </a:schemeClr>
+                </a:solidFill>
+              </a:rPr>
+              <a:t>.</a:t>
+            </a:r>
+          </a:p>
+          <a:p>
+            <a:r>
+              <a:rPr lang="pt-BR" dirty="0">
+                <a:solidFill>
+                  <a:schemeClr val="accent5">
+                    <a:lumMod val="50000"/>
+                  </a:schemeClr>
+                </a:solidFill>
+              </a:rPr>
+              <a:t>Criar banco de dados </a:t>
+            </a:r>
+            <a:r>
+              <a:rPr lang="pt-BR" dirty="0" err="1">
+                <a:solidFill>
+                  <a:srgbClr val="FF0000"/>
+                </a:solidFill>
+              </a:rPr>
+              <a:t>auladois</a:t>
+            </a:r>
+            <a:r>
+              <a:rPr lang="pt-BR" dirty="0">
+                <a:solidFill>
+                  <a:srgbClr val="FF0000"/>
+                </a:solidFill>
+              </a:rPr>
+              <a:t> </a:t>
+            </a:r>
+            <a:r>
+              <a:rPr lang="pt-BR" dirty="0">
+                <a:solidFill>
+                  <a:schemeClr val="accent5">
+                    <a:lumMod val="50000"/>
+                  </a:schemeClr>
+                </a:solidFill>
+              </a:rPr>
+              <a:t>no Postgres.</a:t>
+            </a:r>
+          </a:p>
+        </p:txBody>
+      </p:sp>
+    </p:spTree>
+    <p:extLst>
+      <p:ext uri="{BB962C8B-B14F-4D97-AF65-F5344CB8AC3E}">
+        <p14:creationId xmlns:p14="http://schemas.microsoft.com/office/powerpoint/2010/main" val="2103020618"/>
+      </p:ext>
+    </p:extLst>
+  </p:cSld>
+  <p:clrMapOvr>
+    <a:masterClrMapping/>
+  </p:clrMapOvr>
+</p:sld>
+</file>
+
+<file path=ppt/slides/slide20.xml><?xml version="1.0" encoding="utf-8"?>
 <p:sld xmlns:a="http://schemas.openxmlformats.org/drawingml/2006/main" xmlns:r="http://schemas.openxmlformats.org/officeDocument/2006/relationships" xmlns:p="http://schemas.openxmlformats.org/presentationml/2006/main">
   <p:cSld>
     <p:spTree>
@@ -5930,188 +6268,7 @@
 </p:sld>
 </file>
 
-<file path=ppt/slides/slide2.xml><?xml version="1.0" encoding="utf-8"?>
-<p:sld xmlns:a="http://schemas.openxmlformats.org/drawingml/2006/main" xmlns:r="http://schemas.openxmlformats.org/officeDocument/2006/relationships" xmlns:p="http://schemas.openxmlformats.org/presentationml/2006/main">
-  <p:cSld>
-    <p:spTree>
-      <p:nvGrpSpPr>
-        <p:cNvPr id="1" name=""/>
-        <p:cNvGrpSpPr/>
-        <p:nvPr/>
-      </p:nvGrpSpPr>
-      <p:grpSpPr>
-        <a:xfrm>
-          <a:off x="0" y="0"/>
-          <a:ext cx="0" cy="0"/>
-          <a:chOff x="0" y="0"/>
-          <a:chExt cx="0" cy="0"/>
-        </a:xfrm>
-      </p:grpSpPr>
-      <p:sp>
-        <p:nvSpPr>
-          <p:cNvPr id="2" name="Título 1">
-            <a:extLst>
-              <a:ext uri="{FF2B5EF4-FFF2-40B4-BE49-F238E27FC236}">
-                <a16:creationId xmlns:a16="http://schemas.microsoft.com/office/drawing/2014/main" id="{3333EAEC-850A-0718-7AFC-9EB86A57DC4D}"/>
-              </a:ext>
-            </a:extLst>
-          </p:cNvPr>
-          <p:cNvSpPr>
-            <a:spLocks noGrp="1"/>
-          </p:cNvSpPr>
-          <p:nvPr>
-            <p:ph type="title"/>
-          </p:nvPr>
-        </p:nvSpPr>
-        <p:spPr/>
-        <p:txBody>
-          <a:bodyPr/>
-          <a:lstStyle/>
-          <a:p>
-            <a:r>
-              <a:rPr lang="pt-BR" dirty="0"/>
-              <a:t>Spring Boot Aula 2</a:t>
-            </a:r>
-          </a:p>
-        </p:txBody>
-      </p:sp>
-      <p:sp>
-        <p:nvSpPr>
-          <p:cNvPr id="3" name="Espaço Reservado para Conteúdo 2">
-            <a:extLst>
-              <a:ext uri="{FF2B5EF4-FFF2-40B4-BE49-F238E27FC236}">
-                <a16:creationId xmlns:a16="http://schemas.microsoft.com/office/drawing/2014/main" id="{7A8B7E78-85AE-C157-DF57-2C64D331B728}"/>
-              </a:ext>
-            </a:extLst>
-          </p:cNvPr>
-          <p:cNvSpPr>
-            <a:spLocks noGrp="1"/>
-          </p:cNvSpPr>
-          <p:nvPr>
-            <p:ph idx="1"/>
-          </p:nvPr>
-        </p:nvSpPr>
-        <p:spPr/>
-        <p:txBody>
-          <a:bodyPr/>
-          <a:lstStyle/>
-          <a:p>
-            <a:pPr algn="ctr"/>
-            <a:r>
-              <a:rPr lang="pt-BR" dirty="0"/>
-              <a:t>Criando o nosso projeto</a:t>
-            </a:r>
-          </a:p>
-          <a:p>
-            <a:endParaRPr lang="pt-BR" dirty="0"/>
-          </a:p>
-          <a:p>
-            <a:endParaRPr lang="pt-BR" dirty="0"/>
-          </a:p>
-          <a:p>
-            <a:r>
-              <a:rPr lang="pt-BR" dirty="0">
-                <a:solidFill>
-                  <a:schemeClr val="accent5">
-                    <a:lumMod val="50000"/>
-                  </a:schemeClr>
-                </a:solidFill>
-              </a:rPr>
-              <a:t>Criar um projeto com o GroupId </a:t>
-            </a:r>
-            <a:r>
-              <a:rPr lang="pt-BR" dirty="0">
-                <a:solidFill>
-                  <a:srgbClr val="FF0000"/>
-                </a:solidFill>
-              </a:rPr>
-              <a:t>spring.</a:t>
-            </a:r>
-          </a:p>
-          <a:p>
-            <a:r>
-              <a:rPr lang="pt-BR" dirty="0">
-                <a:solidFill>
-                  <a:schemeClr val="accent5">
-                    <a:lumMod val="50000"/>
-                  </a:schemeClr>
-                </a:solidFill>
-              </a:rPr>
-              <a:t>ArtifactId de </a:t>
-            </a:r>
-            <a:r>
-              <a:rPr lang="pt-BR" dirty="0">
-                <a:solidFill>
-                  <a:srgbClr val="FF0000"/>
-                </a:solidFill>
-              </a:rPr>
-              <a:t>aulaDois</a:t>
-            </a:r>
-            <a:r>
-              <a:rPr lang="pt-BR" dirty="0">
-                <a:solidFill>
-                  <a:schemeClr val="accent5">
-                    <a:lumMod val="50000"/>
-                  </a:schemeClr>
-                </a:solidFill>
-              </a:rPr>
-              <a:t>.</a:t>
-            </a:r>
-          </a:p>
-          <a:p>
-            <a:r>
-              <a:rPr lang="pt-BR" dirty="0">
-                <a:solidFill>
-                  <a:schemeClr val="accent5">
-                    <a:lumMod val="50000"/>
-                  </a:schemeClr>
-                </a:solidFill>
-              </a:rPr>
-              <a:t>Criar banco de dados </a:t>
-            </a:r>
-            <a:r>
-              <a:rPr lang="pt-BR" dirty="0" err="1">
-                <a:solidFill>
-                  <a:srgbClr val="FF0000"/>
-                </a:solidFill>
-              </a:rPr>
-              <a:t>auladois</a:t>
-            </a:r>
-            <a:r>
-              <a:rPr lang="pt-BR" dirty="0">
-                <a:solidFill>
-                  <a:srgbClr val="FF0000"/>
-                </a:solidFill>
-              </a:rPr>
-              <a:t> </a:t>
-            </a:r>
-            <a:r>
-              <a:rPr lang="pt-BR" dirty="0">
-                <a:solidFill>
-                  <a:schemeClr val="accent5">
-                    <a:lumMod val="50000"/>
-                  </a:schemeClr>
-                </a:solidFill>
-              </a:rPr>
-              <a:t>no Postgres.</a:t>
-            </a:r>
-          </a:p>
-        </p:txBody>
-      </p:sp>
-    </p:spTree>
-    <p:extLst>
-      <p:ext uri="{BB962C8B-B14F-4D97-AF65-F5344CB8AC3E}">
-        <p14:creationId xmlns:p14="http://schemas.microsoft.com/office/powerpoint/2010/main" val="2103020618"/>
-      </p:ext>
-    </p:extLst>
-  </p:cSld>
-  <p:clrMapOvr>
-    <a:masterClrMapping/>
-  </p:clrMapOvr>
-</p:sld>
-</file>
-
-<file path=ppt/slides/slide20.xml><?xml version="1.0" encoding="utf-8"?>
+<file path=ppt/slides/slide21.xml><?xml version="1.0" encoding="utf-8"?>
 <p:sld xmlns:a="http://schemas.openxmlformats.org/drawingml/2006/main" xmlns:r="http://schemas.openxmlformats.org/officeDocument/2006/relationships" xmlns:p="http://schemas.openxmlformats.org/presentationml/2006/main">
   <p:cSld>
     <p:spTree>
@@ -7428,11 +7585,35 @@
               </a:rPr>
               <a:t>private static final long serialVersionUID = 1L;</a:t>
             </a:r>
+          </a:p>
+          <a:p>
+            <a:r>
+              <a:rPr lang="en-US" dirty="0">
+                <a:solidFill>
+                  <a:srgbClr val="FF0000"/>
+                </a:solidFill>
+              </a:rPr>
+              <a:t>Código da </a:t>
+            </a:r>
+            <a:r>
+              <a:rPr lang="en-US" dirty="0" err="1">
+                <a:solidFill>
+                  <a:srgbClr val="FF0000"/>
+                </a:solidFill>
+              </a:rPr>
+              <a:t>classe</a:t>
+            </a:r>
+            <a:r>
+              <a:rPr lang="en-US" dirty="0">
+                <a:solidFill>
+                  <a:srgbClr val="FF0000"/>
+                </a:solidFill>
+              </a:rPr>
+              <a:t> Usuarios</a:t>
+            </a:r>
             <a:endParaRPr lang="pt-BR" dirty="0">
               <a:solidFill>
-                <a:schemeClr val="accent5">
-                  <a:lumMod val="50000"/>
-                </a:schemeClr>
+                <a:srgbClr val="FF0000"/>
               </a:solidFill>
             </a:endParaRPr>
           </a:p>
@@ -7448,10 +7629,10 @@
       </p:sp>
       <p:pic>
         <p:nvPicPr>
-          <p:cNvPr id="8" name="Imagem 7">
-            <a:extLst>
-              <a:ext uri="{FF2B5EF4-FFF2-40B4-BE49-F238E27FC236}">
-                <a16:creationId xmlns:a16="http://schemas.microsoft.com/office/drawing/2014/main" id="{16103FA7-D38D-AA87-A72F-B78FA667374C}"/>
+          <p:cNvPr id="5" name="Imagem 4">
+            <a:extLst>
+              <a:ext uri="{FF2B5EF4-FFF2-40B4-BE49-F238E27FC236}">
+                <a16:creationId xmlns:a16="http://schemas.microsoft.com/office/drawing/2014/main" id="{80A16031-7CB1-D04D-429C-6B946128308C}"/>
               </a:ext>
             </a:extLst>
           </p:cNvPr>
@@ -7468,8 +7649,8 @@
         </p:blipFill>
         <p:spPr>
           <a:xfrm>
-            <a:off x="838200" y="5422392"/>
-            <a:ext cx="10738104" cy="1325563"/>
+            <a:off x="838200" y="5772532"/>
+            <a:ext cx="11009480" cy="1085468"/>
           </a:xfrm>
           <a:prstGeom prst="rect">
             <a:avLst/>
